--- a/ppt 16-9/1535.回想主恩.pptx
+++ b/ppt 16-9/1535.回想主恩.pptx
@@ -5,7 +5,7 @@
     <p:sldMasterId id="2147483648" r:id="rId1"/>
   </p:sldMasterIdLst>
   <p:sldIdLst>
-    <p:sldId id="3381" r:id="rId2"/>
+    <p:sldId id="3382" r:id="rId2"/>
   </p:sldIdLst>
   <p:sldSz cx="12192000" cy="6858000"/>
   <p:notesSz cx="6858000" cy="9144000"/>
@@ -129,7 +129,7 @@
           <p:cNvPr id="2" name="标题 1">
             <a:extLst>
               <a:ext uri="{FF2B5EF4-FFF2-40B4-BE49-F238E27FC236}">
-                <a16:creationId xmlns:a16="http://schemas.microsoft.com/office/drawing/2014/main" id="{859BC3CF-DAEF-9581-7C15-A1369C62D837}"/>
+                <a16:creationId xmlns:a16="http://schemas.microsoft.com/office/drawing/2014/main" id="{C60DCB1C-8C62-CC24-EA80-5F3037674B9A}"/>
               </a:ext>
             </a:extLst>
           </p:cNvPr>
@@ -166,7 +166,7 @@
           <p:cNvPr id="3" name="副标题 2">
             <a:extLst>
               <a:ext uri="{FF2B5EF4-FFF2-40B4-BE49-F238E27FC236}">
-                <a16:creationId xmlns:a16="http://schemas.microsoft.com/office/drawing/2014/main" id="{2635B401-DAD8-4982-4166-88A0C22AB699}"/>
+                <a16:creationId xmlns:a16="http://schemas.microsoft.com/office/drawing/2014/main" id="{C7D495D2-D65F-1A93-F2B0-731D2E87E953}"/>
               </a:ext>
             </a:extLst>
           </p:cNvPr>
@@ -236,7 +236,7 @@
           <p:cNvPr id="4" name="日期占位符 3">
             <a:extLst>
               <a:ext uri="{FF2B5EF4-FFF2-40B4-BE49-F238E27FC236}">
-                <a16:creationId xmlns:a16="http://schemas.microsoft.com/office/drawing/2014/main" id="{425FA0B4-0439-55B8-EB79-C794FED43D8B}"/>
+                <a16:creationId xmlns:a16="http://schemas.microsoft.com/office/drawing/2014/main" id="{73F3E096-5B1E-2C56-05DC-59E32FC967C3}"/>
               </a:ext>
             </a:extLst>
           </p:cNvPr>
@@ -252,7 +252,7 @@
           <a:bodyPr/>
           <a:lstStyle/>
           <a:p>
-            <a:fld id="{CC4988F4-05E7-46D0-B1F6-96696B46FB73}" type="datetimeFigureOut">
+            <a:fld id="{F84F63A2-99CE-4994-82E6-0BC9F8EA07EB}" type="datetimeFigureOut">
               <a:rPr lang="zh-CN" altLang="en-US" smtClean="0"/>
               <a:t>2024/3/10</a:t>
             </a:fld>
@@ -265,7 +265,7 @@
           <p:cNvPr id="5" name="页脚占位符 4">
             <a:extLst>
               <a:ext uri="{FF2B5EF4-FFF2-40B4-BE49-F238E27FC236}">
-                <a16:creationId xmlns:a16="http://schemas.microsoft.com/office/drawing/2014/main" id="{6387F447-DFFC-96BC-E149-7E38B499E9BF}"/>
+                <a16:creationId xmlns:a16="http://schemas.microsoft.com/office/drawing/2014/main" id="{6EAEEDEB-7242-762E-E8A6-46413B8A8A60}"/>
               </a:ext>
             </a:extLst>
           </p:cNvPr>
@@ -290,7 +290,7 @@
           <p:cNvPr id="6" name="灯片编号占位符 5">
             <a:extLst>
               <a:ext uri="{FF2B5EF4-FFF2-40B4-BE49-F238E27FC236}">
-                <a16:creationId xmlns:a16="http://schemas.microsoft.com/office/drawing/2014/main" id="{2DF372AD-AF80-58B8-52F6-83966A6FC75A}"/>
+                <a16:creationId xmlns:a16="http://schemas.microsoft.com/office/drawing/2014/main" id="{EB69E502-CA90-CFD9-9520-25EF11A84F23}"/>
               </a:ext>
             </a:extLst>
           </p:cNvPr>
@@ -306,7 +306,7 @@
           <a:bodyPr/>
           <a:lstStyle/>
           <a:p>
-            <a:fld id="{AEE6A038-76CB-4B20-9D7C-A04D3C1F84C4}" type="slidenum">
+            <a:fld id="{F854F4A6-558E-47EC-AD44-FD2B7A1AA7DA}" type="slidenum">
               <a:rPr lang="zh-CN" altLang="en-US" smtClean="0"/>
               <a:t>‹#›</a:t>
             </a:fld>
@@ -317,7 +317,7 @@
     </p:spTree>
     <p:extLst>
       <p:ext uri="{BB962C8B-B14F-4D97-AF65-F5344CB8AC3E}">
-        <p14:creationId xmlns:p14="http://schemas.microsoft.com/office/powerpoint/2010/main" val="2954244390"/>
+        <p14:creationId xmlns:p14="http://schemas.microsoft.com/office/powerpoint/2010/main" val="2726035607"/>
       </p:ext>
     </p:extLst>
   </p:cSld>
@@ -349,7 +349,7 @@
           <p:cNvPr id="2" name="标题 1">
             <a:extLst>
               <a:ext uri="{FF2B5EF4-FFF2-40B4-BE49-F238E27FC236}">
-                <a16:creationId xmlns:a16="http://schemas.microsoft.com/office/drawing/2014/main" id="{2B495E16-2CF1-67AC-8842-14B944C2C7D2}"/>
+                <a16:creationId xmlns:a16="http://schemas.microsoft.com/office/drawing/2014/main" id="{314E3C76-88A9-807B-E76B-018B8FF9D666}"/>
               </a:ext>
             </a:extLst>
           </p:cNvPr>
@@ -377,7 +377,7 @@
           <p:cNvPr id="3" name="竖排文字占位符 2">
             <a:extLst>
               <a:ext uri="{FF2B5EF4-FFF2-40B4-BE49-F238E27FC236}">
-                <a16:creationId xmlns:a16="http://schemas.microsoft.com/office/drawing/2014/main" id="{E0042A08-5245-D306-F2F4-A12469807328}"/>
+                <a16:creationId xmlns:a16="http://schemas.microsoft.com/office/drawing/2014/main" id="{34DC9FD8-F2F7-A066-8CF3-4086FD75698D}"/>
               </a:ext>
             </a:extLst>
           </p:cNvPr>
@@ -434,7 +434,7 @@
           <p:cNvPr id="4" name="日期占位符 3">
             <a:extLst>
               <a:ext uri="{FF2B5EF4-FFF2-40B4-BE49-F238E27FC236}">
-                <a16:creationId xmlns:a16="http://schemas.microsoft.com/office/drawing/2014/main" id="{37A85A55-FE96-AB89-D480-653BB8EFBA32}"/>
+                <a16:creationId xmlns:a16="http://schemas.microsoft.com/office/drawing/2014/main" id="{F212E6C3-9B8C-A8FF-8A22-675667EF373A}"/>
               </a:ext>
             </a:extLst>
           </p:cNvPr>
@@ -450,7 +450,7 @@
           <a:bodyPr/>
           <a:lstStyle/>
           <a:p>
-            <a:fld id="{CC4988F4-05E7-46D0-B1F6-96696B46FB73}" type="datetimeFigureOut">
+            <a:fld id="{F84F63A2-99CE-4994-82E6-0BC9F8EA07EB}" type="datetimeFigureOut">
               <a:rPr lang="zh-CN" altLang="en-US" smtClean="0"/>
               <a:t>2024/3/10</a:t>
             </a:fld>
@@ -463,7 +463,7 @@
           <p:cNvPr id="5" name="页脚占位符 4">
             <a:extLst>
               <a:ext uri="{FF2B5EF4-FFF2-40B4-BE49-F238E27FC236}">
-                <a16:creationId xmlns:a16="http://schemas.microsoft.com/office/drawing/2014/main" id="{6A730981-7D89-C5C4-7634-421A19D3B42B}"/>
+                <a16:creationId xmlns:a16="http://schemas.microsoft.com/office/drawing/2014/main" id="{DA09C561-C271-4D78-BEE2-A27037E31CC6}"/>
               </a:ext>
             </a:extLst>
           </p:cNvPr>
@@ -488,7 +488,7 @@
           <p:cNvPr id="6" name="灯片编号占位符 5">
             <a:extLst>
               <a:ext uri="{FF2B5EF4-FFF2-40B4-BE49-F238E27FC236}">
-                <a16:creationId xmlns:a16="http://schemas.microsoft.com/office/drawing/2014/main" id="{0571537E-67FE-0854-AC20-BB005B1473AC}"/>
+                <a16:creationId xmlns:a16="http://schemas.microsoft.com/office/drawing/2014/main" id="{BE3F1704-CF5B-3894-49E4-7CC54AE203C5}"/>
               </a:ext>
             </a:extLst>
           </p:cNvPr>
@@ -504,7 +504,7 @@
           <a:bodyPr/>
           <a:lstStyle/>
           <a:p>
-            <a:fld id="{AEE6A038-76CB-4B20-9D7C-A04D3C1F84C4}" type="slidenum">
+            <a:fld id="{F854F4A6-558E-47EC-AD44-FD2B7A1AA7DA}" type="slidenum">
               <a:rPr lang="zh-CN" altLang="en-US" smtClean="0"/>
               <a:t>‹#›</a:t>
             </a:fld>
@@ -515,7 +515,7 @@
     </p:spTree>
     <p:extLst>
       <p:ext uri="{BB962C8B-B14F-4D97-AF65-F5344CB8AC3E}">
-        <p14:creationId xmlns:p14="http://schemas.microsoft.com/office/powerpoint/2010/main" val="3659105154"/>
+        <p14:creationId xmlns:p14="http://schemas.microsoft.com/office/powerpoint/2010/main" val="2746490556"/>
       </p:ext>
     </p:extLst>
   </p:cSld>
@@ -547,7 +547,7 @@
           <p:cNvPr id="2" name="竖排标题 1">
             <a:extLst>
               <a:ext uri="{FF2B5EF4-FFF2-40B4-BE49-F238E27FC236}">
-                <a16:creationId xmlns:a16="http://schemas.microsoft.com/office/drawing/2014/main" id="{EDA70AD0-03E9-04CC-C8BB-65740396BA3A}"/>
+                <a16:creationId xmlns:a16="http://schemas.microsoft.com/office/drawing/2014/main" id="{ED6C7953-5D40-AD36-51E7-E20C205A41AD}"/>
               </a:ext>
             </a:extLst>
           </p:cNvPr>
@@ -580,7 +580,7 @@
           <p:cNvPr id="3" name="竖排文字占位符 2">
             <a:extLst>
               <a:ext uri="{FF2B5EF4-FFF2-40B4-BE49-F238E27FC236}">
-                <a16:creationId xmlns:a16="http://schemas.microsoft.com/office/drawing/2014/main" id="{993A3799-E80D-9754-2C1E-746EE14E20BA}"/>
+                <a16:creationId xmlns:a16="http://schemas.microsoft.com/office/drawing/2014/main" id="{C9257205-DA48-36F3-7F39-EF3BA0D7E637}"/>
               </a:ext>
             </a:extLst>
           </p:cNvPr>
@@ -642,7 +642,7 @@
           <p:cNvPr id="4" name="日期占位符 3">
             <a:extLst>
               <a:ext uri="{FF2B5EF4-FFF2-40B4-BE49-F238E27FC236}">
-                <a16:creationId xmlns:a16="http://schemas.microsoft.com/office/drawing/2014/main" id="{C25ECD46-5A53-A1BC-39F0-8DFD51FEEAD3}"/>
+                <a16:creationId xmlns:a16="http://schemas.microsoft.com/office/drawing/2014/main" id="{621FDFF8-750B-FF32-81A3-EDC139DE2386}"/>
               </a:ext>
             </a:extLst>
           </p:cNvPr>
@@ -658,7 +658,7 @@
           <a:bodyPr/>
           <a:lstStyle/>
           <a:p>
-            <a:fld id="{CC4988F4-05E7-46D0-B1F6-96696B46FB73}" type="datetimeFigureOut">
+            <a:fld id="{F84F63A2-99CE-4994-82E6-0BC9F8EA07EB}" type="datetimeFigureOut">
               <a:rPr lang="zh-CN" altLang="en-US" smtClean="0"/>
               <a:t>2024/3/10</a:t>
             </a:fld>
@@ -671,7 +671,7 @@
           <p:cNvPr id="5" name="页脚占位符 4">
             <a:extLst>
               <a:ext uri="{FF2B5EF4-FFF2-40B4-BE49-F238E27FC236}">
-                <a16:creationId xmlns:a16="http://schemas.microsoft.com/office/drawing/2014/main" id="{C1531317-86E8-571F-4CB9-82DDE718A58B}"/>
+                <a16:creationId xmlns:a16="http://schemas.microsoft.com/office/drawing/2014/main" id="{8860EAE9-EAAF-CE5F-80FE-1A0BA348FB44}"/>
               </a:ext>
             </a:extLst>
           </p:cNvPr>
@@ -696,7 +696,7 @@
           <p:cNvPr id="6" name="灯片编号占位符 5">
             <a:extLst>
               <a:ext uri="{FF2B5EF4-FFF2-40B4-BE49-F238E27FC236}">
-                <a16:creationId xmlns:a16="http://schemas.microsoft.com/office/drawing/2014/main" id="{CD9BAF70-1FC5-FA18-4E1D-AA182852893B}"/>
+                <a16:creationId xmlns:a16="http://schemas.microsoft.com/office/drawing/2014/main" id="{2ECC5FA5-A1BA-A25D-386D-5FD8CD820628}"/>
               </a:ext>
             </a:extLst>
           </p:cNvPr>
@@ -712,7 +712,7 @@
           <a:bodyPr/>
           <a:lstStyle/>
           <a:p>
-            <a:fld id="{AEE6A038-76CB-4B20-9D7C-A04D3C1F84C4}" type="slidenum">
+            <a:fld id="{F854F4A6-558E-47EC-AD44-FD2B7A1AA7DA}" type="slidenum">
               <a:rPr lang="zh-CN" altLang="en-US" smtClean="0"/>
               <a:t>‹#›</a:t>
             </a:fld>
@@ -723,7 +723,7 @@
     </p:spTree>
     <p:extLst>
       <p:ext uri="{BB962C8B-B14F-4D97-AF65-F5344CB8AC3E}">
-        <p14:creationId xmlns:p14="http://schemas.microsoft.com/office/powerpoint/2010/main" val="3608660626"/>
+        <p14:creationId xmlns:p14="http://schemas.microsoft.com/office/powerpoint/2010/main" val="3738254677"/>
       </p:ext>
     </p:extLst>
   </p:cSld>
@@ -755,7 +755,7 @@
           <p:cNvPr id="2" name="标题 1">
             <a:extLst>
               <a:ext uri="{FF2B5EF4-FFF2-40B4-BE49-F238E27FC236}">
-                <a16:creationId xmlns:a16="http://schemas.microsoft.com/office/drawing/2014/main" id="{D94F3314-3F8C-B245-A260-AADEEC7957CB}"/>
+                <a16:creationId xmlns:a16="http://schemas.microsoft.com/office/drawing/2014/main" id="{493FC4FF-AD6A-381A-9C9B-68AEBCC10B23}"/>
               </a:ext>
             </a:extLst>
           </p:cNvPr>
@@ -783,7 +783,7 @@
           <p:cNvPr id="3" name="内容占位符 2">
             <a:extLst>
               <a:ext uri="{FF2B5EF4-FFF2-40B4-BE49-F238E27FC236}">
-                <a16:creationId xmlns:a16="http://schemas.microsoft.com/office/drawing/2014/main" id="{233C4FDC-8D04-5C94-8D2A-9E30FFC49E24}"/>
+                <a16:creationId xmlns:a16="http://schemas.microsoft.com/office/drawing/2014/main" id="{93A2F269-D15F-A693-5C17-03ACD5BA43A8}"/>
               </a:ext>
             </a:extLst>
           </p:cNvPr>
@@ -840,7 +840,7 @@
           <p:cNvPr id="4" name="日期占位符 3">
             <a:extLst>
               <a:ext uri="{FF2B5EF4-FFF2-40B4-BE49-F238E27FC236}">
-                <a16:creationId xmlns:a16="http://schemas.microsoft.com/office/drawing/2014/main" id="{B185FA72-EC3E-E962-EF40-E7D0758118A8}"/>
+                <a16:creationId xmlns:a16="http://schemas.microsoft.com/office/drawing/2014/main" id="{E578FC5F-B724-D5BA-74AF-022867987EF4}"/>
               </a:ext>
             </a:extLst>
           </p:cNvPr>
@@ -856,7 +856,7 @@
           <a:bodyPr/>
           <a:lstStyle/>
           <a:p>
-            <a:fld id="{CC4988F4-05E7-46D0-B1F6-96696B46FB73}" type="datetimeFigureOut">
+            <a:fld id="{F84F63A2-99CE-4994-82E6-0BC9F8EA07EB}" type="datetimeFigureOut">
               <a:rPr lang="zh-CN" altLang="en-US" smtClean="0"/>
               <a:t>2024/3/10</a:t>
             </a:fld>
@@ -869,7 +869,7 @@
           <p:cNvPr id="5" name="页脚占位符 4">
             <a:extLst>
               <a:ext uri="{FF2B5EF4-FFF2-40B4-BE49-F238E27FC236}">
-                <a16:creationId xmlns:a16="http://schemas.microsoft.com/office/drawing/2014/main" id="{35BBA83F-F618-6B93-7E26-C3EECAEB7301}"/>
+                <a16:creationId xmlns:a16="http://schemas.microsoft.com/office/drawing/2014/main" id="{0244D611-ADAF-5B48-BD54-87DFFEA0E01C}"/>
               </a:ext>
             </a:extLst>
           </p:cNvPr>
@@ -894,7 +894,7 @@
           <p:cNvPr id="6" name="灯片编号占位符 5">
             <a:extLst>
               <a:ext uri="{FF2B5EF4-FFF2-40B4-BE49-F238E27FC236}">
-                <a16:creationId xmlns:a16="http://schemas.microsoft.com/office/drawing/2014/main" id="{D276C868-FED2-11E2-1238-D58535F8D826}"/>
+                <a16:creationId xmlns:a16="http://schemas.microsoft.com/office/drawing/2014/main" id="{E1187537-0D09-1E7C-6ECF-36341BC7A244}"/>
               </a:ext>
             </a:extLst>
           </p:cNvPr>
@@ -910,7 +910,7 @@
           <a:bodyPr/>
           <a:lstStyle/>
           <a:p>
-            <a:fld id="{AEE6A038-76CB-4B20-9D7C-A04D3C1F84C4}" type="slidenum">
+            <a:fld id="{F854F4A6-558E-47EC-AD44-FD2B7A1AA7DA}" type="slidenum">
               <a:rPr lang="zh-CN" altLang="en-US" smtClean="0"/>
               <a:t>‹#›</a:t>
             </a:fld>
@@ -921,7 +921,7 @@
     </p:spTree>
     <p:extLst>
       <p:ext uri="{BB962C8B-B14F-4D97-AF65-F5344CB8AC3E}">
-        <p14:creationId xmlns:p14="http://schemas.microsoft.com/office/powerpoint/2010/main" val="3938994479"/>
+        <p14:creationId xmlns:p14="http://schemas.microsoft.com/office/powerpoint/2010/main" val="2002142642"/>
       </p:ext>
     </p:extLst>
   </p:cSld>
@@ -953,7 +953,7 @@
           <p:cNvPr id="2" name="标题 1">
             <a:extLst>
               <a:ext uri="{FF2B5EF4-FFF2-40B4-BE49-F238E27FC236}">
-                <a16:creationId xmlns:a16="http://schemas.microsoft.com/office/drawing/2014/main" id="{202104BA-FD1F-43BF-4145-01E953F89860}"/>
+                <a16:creationId xmlns:a16="http://schemas.microsoft.com/office/drawing/2014/main" id="{E66BC23F-1A6D-F650-06B5-97326BCAB910}"/>
               </a:ext>
             </a:extLst>
           </p:cNvPr>
@@ -990,7 +990,7 @@
           <p:cNvPr id="3" name="文本占位符 2">
             <a:extLst>
               <a:ext uri="{FF2B5EF4-FFF2-40B4-BE49-F238E27FC236}">
-                <a16:creationId xmlns:a16="http://schemas.microsoft.com/office/drawing/2014/main" id="{872861D4-20B1-78A5-6B62-1948F3899416}"/>
+                <a16:creationId xmlns:a16="http://schemas.microsoft.com/office/drawing/2014/main" id="{51AEE9A0-7DB7-EFB6-4F33-3B3F7758672E}"/>
               </a:ext>
             </a:extLst>
           </p:cNvPr>
@@ -1115,7 +1115,7 @@
           <p:cNvPr id="4" name="日期占位符 3">
             <a:extLst>
               <a:ext uri="{FF2B5EF4-FFF2-40B4-BE49-F238E27FC236}">
-                <a16:creationId xmlns:a16="http://schemas.microsoft.com/office/drawing/2014/main" id="{27CB425B-575A-CEE7-F7D5-7A307D7F135D}"/>
+                <a16:creationId xmlns:a16="http://schemas.microsoft.com/office/drawing/2014/main" id="{C4DFDDE7-5F15-614F-0E22-8BB8B26527D2}"/>
               </a:ext>
             </a:extLst>
           </p:cNvPr>
@@ -1131,7 +1131,7 @@
           <a:bodyPr/>
           <a:lstStyle/>
           <a:p>
-            <a:fld id="{CC4988F4-05E7-46D0-B1F6-96696B46FB73}" type="datetimeFigureOut">
+            <a:fld id="{F84F63A2-99CE-4994-82E6-0BC9F8EA07EB}" type="datetimeFigureOut">
               <a:rPr lang="zh-CN" altLang="en-US" smtClean="0"/>
               <a:t>2024/3/10</a:t>
             </a:fld>
@@ -1144,7 +1144,7 @@
           <p:cNvPr id="5" name="页脚占位符 4">
             <a:extLst>
               <a:ext uri="{FF2B5EF4-FFF2-40B4-BE49-F238E27FC236}">
-                <a16:creationId xmlns:a16="http://schemas.microsoft.com/office/drawing/2014/main" id="{1AE1B0FF-DB27-1262-98B6-FA1A3BDFAABB}"/>
+                <a16:creationId xmlns:a16="http://schemas.microsoft.com/office/drawing/2014/main" id="{A0DB366E-1DF1-1561-B2DC-5B2966AF5C1E}"/>
               </a:ext>
             </a:extLst>
           </p:cNvPr>
@@ -1169,7 +1169,7 @@
           <p:cNvPr id="6" name="灯片编号占位符 5">
             <a:extLst>
               <a:ext uri="{FF2B5EF4-FFF2-40B4-BE49-F238E27FC236}">
-                <a16:creationId xmlns:a16="http://schemas.microsoft.com/office/drawing/2014/main" id="{0FE58AAD-50A5-7D28-C86D-87F26E3F90AF}"/>
+                <a16:creationId xmlns:a16="http://schemas.microsoft.com/office/drawing/2014/main" id="{5E38EC5C-9692-D8F6-3E69-75FD2C2C09A4}"/>
               </a:ext>
             </a:extLst>
           </p:cNvPr>
@@ -1185,7 +1185,7 @@
           <a:bodyPr/>
           <a:lstStyle/>
           <a:p>
-            <a:fld id="{AEE6A038-76CB-4B20-9D7C-A04D3C1F84C4}" type="slidenum">
+            <a:fld id="{F854F4A6-558E-47EC-AD44-FD2B7A1AA7DA}" type="slidenum">
               <a:rPr lang="zh-CN" altLang="en-US" smtClean="0"/>
               <a:t>‹#›</a:t>
             </a:fld>
@@ -1196,7 +1196,7 @@
     </p:spTree>
     <p:extLst>
       <p:ext uri="{BB962C8B-B14F-4D97-AF65-F5344CB8AC3E}">
-        <p14:creationId xmlns:p14="http://schemas.microsoft.com/office/powerpoint/2010/main" val="1033977412"/>
+        <p14:creationId xmlns:p14="http://schemas.microsoft.com/office/powerpoint/2010/main" val="3483160050"/>
       </p:ext>
     </p:extLst>
   </p:cSld>
@@ -1228,7 +1228,7 @@
           <p:cNvPr id="2" name="标题 1">
             <a:extLst>
               <a:ext uri="{FF2B5EF4-FFF2-40B4-BE49-F238E27FC236}">
-                <a16:creationId xmlns:a16="http://schemas.microsoft.com/office/drawing/2014/main" id="{58796CF9-2A49-1CCB-975C-6D8A2668A269}"/>
+                <a16:creationId xmlns:a16="http://schemas.microsoft.com/office/drawing/2014/main" id="{6E80AB74-04C5-E0E6-B46A-AB3C2B82F15D}"/>
               </a:ext>
             </a:extLst>
           </p:cNvPr>
@@ -1256,7 +1256,7 @@
           <p:cNvPr id="3" name="内容占位符 2">
             <a:extLst>
               <a:ext uri="{FF2B5EF4-FFF2-40B4-BE49-F238E27FC236}">
-                <a16:creationId xmlns:a16="http://schemas.microsoft.com/office/drawing/2014/main" id="{7157F79D-F995-922E-C27D-8F9DC5BDAE90}"/>
+                <a16:creationId xmlns:a16="http://schemas.microsoft.com/office/drawing/2014/main" id="{1B3F94AE-9EFA-F06B-09D9-9FD7812E16E1}"/>
               </a:ext>
             </a:extLst>
           </p:cNvPr>
@@ -1318,7 +1318,7 @@
           <p:cNvPr id="4" name="内容占位符 3">
             <a:extLst>
               <a:ext uri="{FF2B5EF4-FFF2-40B4-BE49-F238E27FC236}">
-                <a16:creationId xmlns:a16="http://schemas.microsoft.com/office/drawing/2014/main" id="{91366929-7C73-63B1-3C0A-02F0255C19FB}"/>
+                <a16:creationId xmlns:a16="http://schemas.microsoft.com/office/drawing/2014/main" id="{269538A9-65E2-290D-7320-7F181677BD70}"/>
               </a:ext>
             </a:extLst>
           </p:cNvPr>
@@ -1380,7 +1380,7 @@
           <p:cNvPr id="5" name="日期占位符 4">
             <a:extLst>
               <a:ext uri="{FF2B5EF4-FFF2-40B4-BE49-F238E27FC236}">
-                <a16:creationId xmlns:a16="http://schemas.microsoft.com/office/drawing/2014/main" id="{91DDB655-3FE6-BDE6-89B3-25ECB2DC5462}"/>
+                <a16:creationId xmlns:a16="http://schemas.microsoft.com/office/drawing/2014/main" id="{7AE06F95-5161-F254-5AD3-707452D83BFB}"/>
               </a:ext>
             </a:extLst>
           </p:cNvPr>
@@ -1396,7 +1396,7 @@
           <a:bodyPr/>
           <a:lstStyle/>
           <a:p>
-            <a:fld id="{CC4988F4-05E7-46D0-B1F6-96696B46FB73}" type="datetimeFigureOut">
+            <a:fld id="{F84F63A2-99CE-4994-82E6-0BC9F8EA07EB}" type="datetimeFigureOut">
               <a:rPr lang="zh-CN" altLang="en-US" smtClean="0"/>
               <a:t>2024/3/10</a:t>
             </a:fld>
@@ -1409,7 +1409,7 @@
           <p:cNvPr id="6" name="页脚占位符 5">
             <a:extLst>
               <a:ext uri="{FF2B5EF4-FFF2-40B4-BE49-F238E27FC236}">
-                <a16:creationId xmlns:a16="http://schemas.microsoft.com/office/drawing/2014/main" id="{CFA4F8D5-AD1C-5483-B5B2-15B23FF67928}"/>
+                <a16:creationId xmlns:a16="http://schemas.microsoft.com/office/drawing/2014/main" id="{91F4FD10-F2B3-6F38-AF4C-5A7574B45D45}"/>
               </a:ext>
             </a:extLst>
           </p:cNvPr>
@@ -1434,7 +1434,7 @@
           <p:cNvPr id="7" name="灯片编号占位符 6">
             <a:extLst>
               <a:ext uri="{FF2B5EF4-FFF2-40B4-BE49-F238E27FC236}">
-                <a16:creationId xmlns:a16="http://schemas.microsoft.com/office/drawing/2014/main" id="{2B7A4169-B3F9-2F4C-F322-A39182AC4DE9}"/>
+                <a16:creationId xmlns:a16="http://schemas.microsoft.com/office/drawing/2014/main" id="{BB9BB0C9-70E9-5760-B027-298D24F725BB}"/>
               </a:ext>
             </a:extLst>
           </p:cNvPr>
@@ -1450,7 +1450,7 @@
           <a:bodyPr/>
           <a:lstStyle/>
           <a:p>
-            <a:fld id="{AEE6A038-76CB-4B20-9D7C-A04D3C1F84C4}" type="slidenum">
+            <a:fld id="{F854F4A6-558E-47EC-AD44-FD2B7A1AA7DA}" type="slidenum">
               <a:rPr lang="zh-CN" altLang="en-US" smtClean="0"/>
               <a:t>‹#›</a:t>
             </a:fld>
@@ -1461,7 +1461,7 @@
     </p:spTree>
     <p:extLst>
       <p:ext uri="{BB962C8B-B14F-4D97-AF65-F5344CB8AC3E}">
-        <p14:creationId xmlns:p14="http://schemas.microsoft.com/office/powerpoint/2010/main" val="388927247"/>
+        <p14:creationId xmlns:p14="http://schemas.microsoft.com/office/powerpoint/2010/main" val="1198303218"/>
       </p:ext>
     </p:extLst>
   </p:cSld>
@@ -1493,7 +1493,7 @@
           <p:cNvPr id="2" name="标题 1">
             <a:extLst>
               <a:ext uri="{FF2B5EF4-FFF2-40B4-BE49-F238E27FC236}">
-                <a16:creationId xmlns:a16="http://schemas.microsoft.com/office/drawing/2014/main" id="{64B14A54-1418-F50C-BFD1-F5EC49228E18}"/>
+                <a16:creationId xmlns:a16="http://schemas.microsoft.com/office/drawing/2014/main" id="{E692FD5E-D0B2-A1CA-0840-AD5CF592FF64}"/>
               </a:ext>
             </a:extLst>
           </p:cNvPr>
@@ -1526,7 +1526,7 @@
           <p:cNvPr id="3" name="文本占位符 2">
             <a:extLst>
               <a:ext uri="{FF2B5EF4-FFF2-40B4-BE49-F238E27FC236}">
-                <a16:creationId xmlns:a16="http://schemas.microsoft.com/office/drawing/2014/main" id="{3EF79D27-5C1B-9FC8-FDDC-AA70AA0DD467}"/>
+                <a16:creationId xmlns:a16="http://schemas.microsoft.com/office/drawing/2014/main" id="{E1E7AA09-4692-B409-35B8-4A5A07CC5A44}"/>
               </a:ext>
             </a:extLst>
           </p:cNvPr>
@@ -1597,7 +1597,7 @@
           <p:cNvPr id="4" name="内容占位符 3">
             <a:extLst>
               <a:ext uri="{FF2B5EF4-FFF2-40B4-BE49-F238E27FC236}">
-                <a16:creationId xmlns:a16="http://schemas.microsoft.com/office/drawing/2014/main" id="{9833E45C-9063-3DE0-253C-C978E99869DC}"/>
+                <a16:creationId xmlns:a16="http://schemas.microsoft.com/office/drawing/2014/main" id="{41695687-364F-8AD9-DEED-22018140BFA7}"/>
               </a:ext>
             </a:extLst>
           </p:cNvPr>
@@ -1659,7 +1659,7 @@
           <p:cNvPr id="5" name="文本占位符 4">
             <a:extLst>
               <a:ext uri="{FF2B5EF4-FFF2-40B4-BE49-F238E27FC236}">
-                <a16:creationId xmlns:a16="http://schemas.microsoft.com/office/drawing/2014/main" id="{5C44A75B-2ED2-007A-F1BF-31E5F5627F46}"/>
+                <a16:creationId xmlns:a16="http://schemas.microsoft.com/office/drawing/2014/main" id="{36BE49AD-0782-B731-70C3-11989EC62927}"/>
               </a:ext>
             </a:extLst>
           </p:cNvPr>
@@ -1730,7 +1730,7 @@
           <p:cNvPr id="6" name="内容占位符 5">
             <a:extLst>
               <a:ext uri="{FF2B5EF4-FFF2-40B4-BE49-F238E27FC236}">
-                <a16:creationId xmlns:a16="http://schemas.microsoft.com/office/drawing/2014/main" id="{1D315125-A888-96BF-2C71-F80D7FA01499}"/>
+                <a16:creationId xmlns:a16="http://schemas.microsoft.com/office/drawing/2014/main" id="{5B15ABD1-E763-0FE4-92F6-2CE129CFA16E}"/>
               </a:ext>
             </a:extLst>
           </p:cNvPr>
@@ -1792,7 +1792,7 @@
           <p:cNvPr id="7" name="日期占位符 6">
             <a:extLst>
               <a:ext uri="{FF2B5EF4-FFF2-40B4-BE49-F238E27FC236}">
-                <a16:creationId xmlns:a16="http://schemas.microsoft.com/office/drawing/2014/main" id="{E5DEAF06-19BD-7B25-A795-310E045C937B}"/>
+                <a16:creationId xmlns:a16="http://schemas.microsoft.com/office/drawing/2014/main" id="{5741D6CD-AC67-D4A7-B303-8F92CE98454A}"/>
               </a:ext>
             </a:extLst>
           </p:cNvPr>
@@ -1808,7 +1808,7 @@
           <a:bodyPr/>
           <a:lstStyle/>
           <a:p>
-            <a:fld id="{CC4988F4-05E7-46D0-B1F6-96696B46FB73}" type="datetimeFigureOut">
+            <a:fld id="{F84F63A2-99CE-4994-82E6-0BC9F8EA07EB}" type="datetimeFigureOut">
               <a:rPr lang="zh-CN" altLang="en-US" smtClean="0"/>
               <a:t>2024/3/10</a:t>
             </a:fld>
@@ -1821,7 +1821,7 @@
           <p:cNvPr id="8" name="页脚占位符 7">
             <a:extLst>
               <a:ext uri="{FF2B5EF4-FFF2-40B4-BE49-F238E27FC236}">
-                <a16:creationId xmlns:a16="http://schemas.microsoft.com/office/drawing/2014/main" id="{7AF9AE1E-E741-076B-29AB-E00F923DFE0B}"/>
+                <a16:creationId xmlns:a16="http://schemas.microsoft.com/office/drawing/2014/main" id="{2A51328B-94B2-B62C-7A98-E2BD7A6097F8}"/>
               </a:ext>
             </a:extLst>
           </p:cNvPr>
@@ -1846,7 +1846,7 @@
           <p:cNvPr id="9" name="灯片编号占位符 8">
             <a:extLst>
               <a:ext uri="{FF2B5EF4-FFF2-40B4-BE49-F238E27FC236}">
-                <a16:creationId xmlns:a16="http://schemas.microsoft.com/office/drawing/2014/main" id="{37A78007-210A-FD59-2B62-77CEB7A2AB0D}"/>
+                <a16:creationId xmlns:a16="http://schemas.microsoft.com/office/drawing/2014/main" id="{BB3E5BEA-A199-F0DF-E860-7640DD2BF653}"/>
               </a:ext>
             </a:extLst>
           </p:cNvPr>
@@ -1862,7 +1862,7 @@
           <a:bodyPr/>
           <a:lstStyle/>
           <a:p>
-            <a:fld id="{AEE6A038-76CB-4B20-9D7C-A04D3C1F84C4}" type="slidenum">
+            <a:fld id="{F854F4A6-558E-47EC-AD44-FD2B7A1AA7DA}" type="slidenum">
               <a:rPr lang="zh-CN" altLang="en-US" smtClean="0"/>
               <a:t>‹#›</a:t>
             </a:fld>
@@ -1873,7 +1873,7 @@
     </p:spTree>
     <p:extLst>
       <p:ext uri="{BB962C8B-B14F-4D97-AF65-F5344CB8AC3E}">
-        <p14:creationId xmlns:p14="http://schemas.microsoft.com/office/powerpoint/2010/main" val="357043621"/>
+        <p14:creationId xmlns:p14="http://schemas.microsoft.com/office/powerpoint/2010/main" val="404783111"/>
       </p:ext>
     </p:extLst>
   </p:cSld>
@@ -1905,7 +1905,7 @@
           <p:cNvPr id="2" name="标题 1">
             <a:extLst>
               <a:ext uri="{FF2B5EF4-FFF2-40B4-BE49-F238E27FC236}">
-                <a16:creationId xmlns:a16="http://schemas.microsoft.com/office/drawing/2014/main" id="{E2C5A234-4412-7828-2C78-687709ECD4F8}"/>
+                <a16:creationId xmlns:a16="http://schemas.microsoft.com/office/drawing/2014/main" id="{9E8C353A-9D59-CA8F-8BBD-218CD3B3BCC6}"/>
               </a:ext>
             </a:extLst>
           </p:cNvPr>
@@ -1933,7 +1933,7 @@
           <p:cNvPr id="3" name="日期占位符 2">
             <a:extLst>
               <a:ext uri="{FF2B5EF4-FFF2-40B4-BE49-F238E27FC236}">
-                <a16:creationId xmlns:a16="http://schemas.microsoft.com/office/drawing/2014/main" id="{703B2F11-A485-1EE4-6F38-6A60CAA3E3E1}"/>
+                <a16:creationId xmlns:a16="http://schemas.microsoft.com/office/drawing/2014/main" id="{6EE37097-F4D8-E273-1E6A-517B59E3FAA7}"/>
               </a:ext>
             </a:extLst>
           </p:cNvPr>
@@ -1949,7 +1949,7 @@
           <a:bodyPr/>
           <a:lstStyle/>
           <a:p>
-            <a:fld id="{CC4988F4-05E7-46D0-B1F6-96696B46FB73}" type="datetimeFigureOut">
+            <a:fld id="{F84F63A2-99CE-4994-82E6-0BC9F8EA07EB}" type="datetimeFigureOut">
               <a:rPr lang="zh-CN" altLang="en-US" smtClean="0"/>
               <a:t>2024/3/10</a:t>
             </a:fld>
@@ -1962,7 +1962,7 @@
           <p:cNvPr id="4" name="页脚占位符 3">
             <a:extLst>
               <a:ext uri="{FF2B5EF4-FFF2-40B4-BE49-F238E27FC236}">
-                <a16:creationId xmlns:a16="http://schemas.microsoft.com/office/drawing/2014/main" id="{6E072BF9-97B2-C13C-5998-63FC0AA548F6}"/>
+                <a16:creationId xmlns:a16="http://schemas.microsoft.com/office/drawing/2014/main" id="{5D88BB19-9540-7DC7-E52C-3D0449377CB1}"/>
               </a:ext>
             </a:extLst>
           </p:cNvPr>
@@ -1987,7 +1987,7 @@
           <p:cNvPr id="5" name="灯片编号占位符 4">
             <a:extLst>
               <a:ext uri="{FF2B5EF4-FFF2-40B4-BE49-F238E27FC236}">
-                <a16:creationId xmlns:a16="http://schemas.microsoft.com/office/drawing/2014/main" id="{56851E28-554E-32F5-F6B9-7154465FD44D}"/>
+                <a16:creationId xmlns:a16="http://schemas.microsoft.com/office/drawing/2014/main" id="{6F7E5878-8157-FB06-007E-3BF4AD3513CC}"/>
               </a:ext>
             </a:extLst>
           </p:cNvPr>
@@ -2003,7 +2003,7 @@
           <a:bodyPr/>
           <a:lstStyle/>
           <a:p>
-            <a:fld id="{AEE6A038-76CB-4B20-9D7C-A04D3C1F84C4}" type="slidenum">
+            <a:fld id="{F854F4A6-558E-47EC-AD44-FD2B7A1AA7DA}" type="slidenum">
               <a:rPr lang="zh-CN" altLang="en-US" smtClean="0"/>
               <a:t>‹#›</a:t>
             </a:fld>
@@ -2014,7 +2014,7 @@
     </p:spTree>
     <p:extLst>
       <p:ext uri="{BB962C8B-B14F-4D97-AF65-F5344CB8AC3E}">
-        <p14:creationId xmlns:p14="http://schemas.microsoft.com/office/powerpoint/2010/main" val="591813994"/>
+        <p14:creationId xmlns:p14="http://schemas.microsoft.com/office/powerpoint/2010/main" val="1507765932"/>
       </p:ext>
     </p:extLst>
   </p:cSld>
@@ -2046,7 +2046,7 @@
           <p:cNvPr id="2" name="日期占位符 1">
             <a:extLst>
               <a:ext uri="{FF2B5EF4-FFF2-40B4-BE49-F238E27FC236}">
-                <a16:creationId xmlns:a16="http://schemas.microsoft.com/office/drawing/2014/main" id="{103F6979-656E-BA39-7BF7-C941F3DC0E8D}"/>
+                <a16:creationId xmlns:a16="http://schemas.microsoft.com/office/drawing/2014/main" id="{95AC24FB-96C5-742D-D3B8-06489A34034E}"/>
               </a:ext>
             </a:extLst>
           </p:cNvPr>
@@ -2062,7 +2062,7 @@
           <a:bodyPr/>
           <a:lstStyle/>
           <a:p>
-            <a:fld id="{CC4988F4-05E7-46D0-B1F6-96696B46FB73}" type="datetimeFigureOut">
+            <a:fld id="{F84F63A2-99CE-4994-82E6-0BC9F8EA07EB}" type="datetimeFigureOut">
               <a:rPr lang="zh-CN" altLang="en-US" smtClean="0"/>
               <a:t>2024/3/10</a:t>
             </a:fld>
@@ -2075,7 +2075,7 @@
           <p:cNvPr id="3" name="页脚占位符 2">
             <a:extLst>
               <a:ext uri="{FF2B5EF4-FFF2-40B4-BE49-F238E27FC236}">
-                <a16:creationId xmlns:a16="http://schemas.microsoft.com/office/drawing/2014/main" id="{1EEB7D79-B274-A20E-6105-AD1BC08AA279}"/>
+                <a16:creationId xmlns:a16="http://schemas.microsoft.com/office/drawing/2014/main" id="{82871D86-E662-F699-8A88-809B73177144}"/>
               </a:ext>
             </a:extLst>
           </p:cNvPr>
@@ -2100,7 +2100,7 @@
           <p:cNvPr id="4" name="灯片编号占位符 3">
             <a:extLst>
               <a:ext uri="{FF2B5EF4-FFF2-40B4-BE49-F238E27FC236}">
-                <a16:creationId xmlns:a16="http://schemas.microsoft.com/office/drawing/2014/main" id="{9D3688FD-95B6-2F8F-A768-924C2B019C8F}"/>
+                <a16:creationId xmlns:a16="http://schemas.microsoft.com/office/drawing/2014/main" id="{14DD2A38-B1DF-505A-1339-0B6645E99289}"/>
               </a:ext>
             </a:extLst>
           </p:cNvPr>
@@ -2116,7 +2116,7 @@
           <a:bodyPr/>
           <a:lstStyle/>
           <a:p>
-            <a:fld id="{AEE6A038-76CB-4B20-9D7C-A04D3C1F84C4}" type="slidenum">
+            <a:fld id="{F854F4A6-558E-47EC-AD44-FD2B7A1AA7DA}" type="slidenum">
               <a:rPr lang="zh-CN" altLang="en-US" smtClean="0"/>
               <a:t>‹#›</a:t>
             </a:fld>
@@ -2127,7 +2127,7 @@
     </p:spTree>
     <p:extLst>
       <p:ext uri="{BB962C8B-B14F-4D97-AF65-F5344CB8AC3E}">
-        <p14:creationId xmlns:p14="http://schemas.microsoft.com/office/powerpoint/2010/main" val="3980709057"/>
+        <p14:creationId xmlns:p14="http://schemas.microsoft.com/office/powerpoint/2010/main" val="3799082222"/>
       </p:ext>
     </p:extLst>
   </p:cSld>
@@ -2159,7 +2159,7 @@
           <p:cNvPr id="2" name="标题 1">
             <a:extLst>
               <a:ext uri="{FF2B5EF4-FFF2-40B4-BE49-F238E27FC236}">
-                <a16:creationId xmlns:a16="http://schemas.microsoft.com/office/drawing/2014/main" id="{2C4D4D22-3700-4BA9-F66A-A41D767CB841}"/>
+                <a16:creationId xmlns:a16="http://schemas.microsoft.com/office/drawing/2014/main" id="{5568A71B-EA4A-2193-D24F-12D6E7F3EC88}"/>
               </a:ext>
             </a:extLst>
           </p:cNvPr>
@@ -2196,7 +2196,7 @@
           <p:cNvPr id="3" name="内容占位符 2">
             <a:extLst>
               <a:ext uri="{FF2B5EF4-FFF2-40B4-BE49-F238E27FC236}">
-                <a16:creationId xmlns:a16="http://schemas.microsoft.com/office/drawing/2014/main" id="{C166C4BD-DDA6-DBE6-1BE2-1F57C1B94507}"/>
+                <a16:creationId xmlns:a16="http://schemas.microsoft.com/office/drawing/2014/main" id="{2A137CF7-F70A-0F84-7447-C7563A923AEC}"/>
               </a:ext>
             </a:extLst>
           </p:cNvPr>
@@ -2286,7 +2286,7 @@
           <p:cNvPr id="4" name="文本占位符 3">
             <a:extLst>
               <a:ext uri="{FF2B5EF4-FFF2-40B4-BE49-F238E27FC236}">
-                <a16:creationId xmlns:a16="http://schemas.microsoft.com/office/drawing/2014/main" id="{F1A21A4B-DF8C-D79F-C397-62BB65B5AF2E}"/>
+                <a16:creationId xmlns:a16="http://schemas.microsoft.com/office/drawing/2014/main" id="{E32A720B-5DF3-61DF-452A-A0D06070A76A}"/>
               </a:ext>
             </a:extLst>
           </p:cNvPr>
@@ -2357,7 +2357,7 @@
           <p:cNvPr id="5" name="日期占位符 4">
             <a:extLst>
               <a:ext uri="{FF2B5EF4-FFF2-40B4-BE49-F238E27FC236}">
-                <a16:creationId xmlns:a16="http://schemas.microsoft.com/office/drawing/2014/main" id="{0397A2AC-45C8-CE21-6F4B-9562F6DCF62B}"/>
+                <a16:creationId xmlns:a16="http://schemas.microsoft.com/office/drawing/2014/main" id="{81999C84-B00A-5DD7-A608-D1DEC282BF1B}"/>
               </a:ext>
             </a:extLst>
           </p:cNvPr>
@@ -2373,7 +2373,7 @@
           <a:bodyPr/>
           <a:lstStyle/>
           <a:p>
-            <a:fld id="{CC4988F4-05E7-46D0-B1F6-96696B46FB73}" type="datetimeFigureOut">
+            <a:fld id="{F84F63A2-99CE-4994-82E6-0BC9F8EA07EB}" type="datetimeFigureOut">
               <a:rPr lang="zh-CN" altLang="en-US" smtClean="0"/>
               <a:t>2024/3/10</a:t>
             </a:fld>
@@ -2386,7 +2386,7 @@
           <p:cNvPr id="6" name="页脚占位符 5">
             <a:extLst>
               <a:ext uri="{FF2B5EF4-FFF2-40B4-BE49-F238E27FC236}">
-                <a16:creationId xmlns:a16="http://schemas.microsoft.com/office/drawing/2014/main" id="{EE81046E-BAC6-0F0C-99BF-13B6ECB455D1}"/>
+                <a16:creationId xmlns:a16="http://schemas.microsoft.com/office/drawing/2014/main" id="{C8BA3894-DE58-3C84-F6FB-CB4D4E0A7388}"/>
               </a:ext>
             </a:extLst>
           </p:cNvPr>
@@ -2411,7 +2411,7 @@
           <p:cNvPr id="7" name="灯片编号占位符 6">
             <a:extLst>
               <a:ext uri="{FF2B5EF4-FFF2-40B4-BE49-F238E27FC236}">
-                <a16:creationId xmlns:a16="http://schemas.microsoft.com/office/drawing/2014/main" id="{30C2DC1E-57D0-4222-14AD-4F0CF3956EBC}"/>
+                <a16:creationId xmlns:a16="http://schemas.microsoft.com/office/drawing/2014/main" id="{F8C139B5-83BC-7756-3D71-2FAE719B2E82}"/>
               </a:ext>
             </a:extLst>
           </p:cNvPr>
@@ -2427,7 +2427,7 @@
           <a:bodyPr/>
           <a:lstStyle/>
           <a:p>
-            <a:fld id="{AEE6A038-76CB-4B20-9D7C-A04D3C1F84C4}" type="slidenum">
+            <a:fld id="{F854F4A6-558E-47EC-AD44-FD2B7A1AA7DA}" type="slidenum">
               <a:rPr lang="zh-CN" altLang="en-US" smtClean="0"/>
               <a:t>‹#›</a:t>
             </a:fld>
@@ -2438,7 +2438,7 @@
     </p:spTree>
     <p:extLst>
       <p:ext uri="{BB962C8B-B14F-4D97-AF65-F5344CB8AC3E}">
-        <p14:creationId xmlns:p14="http://schemas.microsoft.com/office/powerpoint/2010/main" val="4077754017"/>
+        <p14:creationId xmlns:p14="http://schemas.microsoft.com/office/powerpoint/2010/main" val="3020697504"/>
       </p:ext>
     </p:extLst>
   </p:cSld>
@@ -2470,7 +2470,7 @@
           <p:cNvPr id="2" name="标题 1">
             <a:extLst>
               <a:ext uri="{FF2B5EF4-FFF2-40B4-BE49-F238E27FC236}">
-                <a16:creationId xmlns:a16="http://schemas.microsoft.com/office/drawing/2014/main" id="{1A9B1471-728F-5829-F9AD-3B582C1061A5}"/>
+                <a16:creationId xmlns:a16="http://schemas.microsoft.com/office/drawing/2014/main" id="{6CB9C9D1-1BC9-5D1C-F2B7-66F059CE4A35}"/>
               </a:ext>
             </a:extLst>
           </p:cNvPr>
@@ -2507,7 +2507,7 @@
           <p:cNvPr id="3" name="图片占位符 2">
             <a:extLst>
               <a:ext uri="{FF2B5EF4-FFF2-40B4-BE49-F238E27FC236}">
-                <a16:creationId xmlns:a16="http://schemas.microsoft.com/office/drawing/2014/main" id="{944B19D6-1463-3614-F754-16A8C2AAC445}"/>
+                <a16:creationId xmlns:a16="http://schemas.microsoft.com/office/drawing/2014/main" id="{813190C5-1254-6950-865C-B12C92F0E0F9}"/>
               </a:ext>
             </a:extLst>
           </p:cNvPr>
@@ -2574,7 +2574,7 @@
           <p:cNvPr id="4" name="文本占位符 3">
             <a:extLst>
               <a:ext uri="{FF2B5EF4-FFF2-40B4-BE49-F238E27FC236}">
-                <a16:creationId xmlns:a16="http://schemas.microsoft.com/office/drawing/2014/main" id="{109BFDD5-FE4A-0C43-3B22-5BC540F0AABD}"/>
+                <a16:creationId xmlns:a16="http://schemas.microsoft.com/office/drawing/2014/main" id="{2C9D32CC-7138-96F6-828A-638C4FBE0E33}"/>
               </a:ext>
             </a:extLst>
           </p:cNvPr>
@@ -2645,7 +2645,7 @@
           <p:cNvPr id="5" name="日期占位符 4">
             <a:extLst>
               <a:ext uri="{FF2B5EF4-FFF2-40B4-BE49-F238E27FC236}">
-                <a16:creationId xmlns:a16="http://schemas.microsoft.com/office/drawing/2014/main" id="{138A7F5B-A714-8B25-1AA7-39D59F9BE2BC}"/>
+                <a16:creationId xmlns:a16="http://schemas.microsoft.com/office/drawing/2014/main" id="{CE021D72-464D-110F-BB14-0CD803EBF1FA}"/>
               </a:ext>
             </a:extLst>
           </p:cNvPr>
@@ -2661,7 +2661,7 @@
           <a:bodyPr/>
           <a:lstStyle/>
           <a:p>
-            <a:fld id="{CC4988F4-05E7-46D0-B1F6-96696B46FB73}" type="datetimeFigureOut">
+            <a:fld id="{F84F63A2-99CE-4994-82E6-0BC9F8EA07EB}" type="datetimeFigureOut">
               <a:rPr lang="zh-CN" altLang="en-US" smtClean="0"/>
               <a:t>2024/3/10</a:t>
             </a:fld>
@@ -2674,7 +2674,7 @@
           <p:cNvPr id="6" name="页脚占位符 5">
             <a:extLst>
               <a:ext uri="{FF2B5EF4-FFF2-40B4-BE49-F238E27FC236}">
-                <a16:creationId xmlns:a16="http://schemas.microsoft.com/office/drawing/2014/main" id="{FA562024-2F58-081E-946D-466335DE2767}"/>
+                <a16:creationId xmlns:a16="http://schemas.microsoft.com/office/drawing/2014/main" id="{E43290A3-2F3C-A6CE-B642-A4895E4F9CCA}"/>
               </a:ext>
             </a:extLst>
           </p:cNvPr>
@@ -2699,7 +2699,7 @@
           <p:cNvPr id="7" name="灯片编号占位符 6">
             <a:extLst>
               <a:ext uri="{FF2B5EF4-FFF2-40B4-BE49-F238E27FC236}">
-                <a16:creationId xmlns:a16="http://schemas.microsoft.com/office/drawing/2014/main" id="{0314B65A-D90B-73A9-68C7-D4D928023F2D}"/>
+                <a16:creationId xmlns:a16="http://schemas.microsoft.com/office/drawing/2014/main" id="{002F54A9-3089-4731-D081-C27408AF6A29}"/>
               </a:ext>
             </a:extLst>
           </p:cNvPr>
@@ -2715,7 +2715,7 @@
           <a:bodyPr/>
           <a:lstStyle/>
           <a:p>
-            <a:fld id="{AEE6A038-76CB-4B20-9D7C-A04D3C1F84C4}" type="slidenum">
+            <a:fld id="{F854F4A6-558E-47EC-AD44-FD2B7A1AA7DA}" type="slidenum">
               <a:rPr lang="zh-CN" altLang="en-US" smtClean="0"/>
               <a:t>‹#›</a:t>
             </a:fld>
@@ -2726,7 +2726,7 @@
     </p:spTree>
     <p:extLst>
       <p:ext uri="{BB962C8B-B14F-4D97-AF65-F5344CB8AC3E}">
-        <p14:creationId xmlns:p14="http://schemas.microsoft.com/office/powerpoint/2010/main" val="2683796937"/>
+        <p14:creationId xmlns:p14="http://schemas.microsoft.com/office/powerpoint/2010/main" val="378726532"/>
       </p:ext>
     </p:extLst>
   </p:cSld>
@@ -2763,7 +2763,7 @@
           <p:cNvPr id="2" name="标题占位符 1">
             <a:extLst>
               <a:ext uri="{FF2B5EF4-FFF2-40B4-BE49-F238E27FC236}">
-                <a16:creationId xmlns:a16="http://schemas.microsoft.com/office/drawing/2014/main" id="{A07FE6D7-51CF-D988-A21A-332B11FF41B7}"/>
+                <a16:creationId xmlns:a16="http://schemas.microsoft.com/office/drawing/2014/main" id="{661682F4-45A9-3E7D-8294-E4A3811E2B61}"/>
               </a:ext>
             </a:extLst>
           </p:cNvPr>
@@ -2801,7 +2801,7 @@
           <p:cNvPr id="3" name="文本占位符 2">
             <a:extLst>
               <a:ext uri="{FF2B5EF4-FFF2-40B4-BE49-F238E27FC236}">
-                <a16:creationId xmlns:a16="http://schemas.microsoft.com/office/drawing/2014/main" id="{FC533316-1CDD-D29E-AAF9-65BE9932495B}"/>
+                <a16:creationId xmlns:a16="http://schemas.microsoft.com/office/drawing/2014/main" id="{7D555B2E-6C3A-E9AF-46D7-7991A53A29B6}"/>
               </a:ext>
             </a:extLst>
           </p:cNvPr>
@@ -2868,7 +2868,7 @@
           <p:cNvPr id="4" name="日期占位符 3">
             <a:extLst>
               <a:ext uri="{FF2B5EF4-FFF2-40B4-BE49-F238E27FC236}">
-                <a16:creationId xmlns:a16="http://schemas.microsoft.com/office/drawing/2014/main" id="{AC839450-085B-F559-B64E-D8E24287C060}"/>
+                <a16:creationId xmlns:a16="http://schemas.microsoft.com/office/drawing/2014/main" id="{B6E7E72D-B587-A82D-B7D9-EE488045C4C9}"/>
               </a:ext>
             </a:extLst>
           </p:cNvPr>
@@ -2902,7 +2902,7 @@
             </a:lvl1pPr>
           </a:lstStyle>
           <a:p>
-            <a:fld id="{CC4988F4-05E7-46D0-B1F6-96696B46FB73}" type="datetimeFigureOut">
+            <a:fld id="{F84F63A2-99CE-4994-82E6-0BC9F8EA07EB}" type="datetimeFigureOut">
               <a:rPr lang="zh-CN" altLang="en-US" smtClean="0"/>
               <a:t>2024/3/10</a:t>
             </a:fld>
@@ -2915,7 +2915,7 @@
           <p:cNvPr id="5" name="页脚占位符 4">
             <a:extLst>
               <a:ext uri="{FF2B5EF4-FFF2-40B4-BE49-F238E27FC236}">
-                <a16:creationId xmlns:a16="http://schemas.microsoft.com/office/drawing/2014/main" id="{F10D8397-3187-4208-53CD-9F05FFB7A14E}"/>
+                <a16:creationId xmlns:a16="http://schemas.microsoft.com/office/drawing/2014/main" id="{F7CCCBB3-BD23-C07B-9C07-3CC634E76F73}"/>
               </a:ext>
             </a:extLst>
           </p:cNvPr>
@@ -2958,7 +2958,7 @@
           <p:cNvPr id="6" name="灯片编号占位符 5">
             <a:extLst>
               <a:ext uri="{FF2B5EF4-FFF2-40B4-BE49-F238E27FC236}">
-                <a16:creationId xmlns:a16="http://schemas.microsoft.com/office/drawing/2014/main" id="{5176DB0E-6542-F42A-C9F7-CC95A0665884}"/>
+                <a16:creationId xmlns:a16="http://schemas.microsoft.com/office/drawing/2014/main" id="{C0F58761-DE9C-58F8-AD7B-CA062311E386}"/>
               </a:ext>
             </a:extLst>
           </p:cNvPr>
@@ -2992,7 +2992,7 @@
             </a:lvl1pPr>
           </a:lstStyle>
           <a:p>
-            <a:fld id="{AEE6A038-76CB-4B20-9D7C-A04D3C1F84C4}" type="slidenum">
+            <a:fld id="{F854F4A6-558E-47EC-AD44-FD2B7A1AA7DA}" type="slidenum">
               <a:rPr lang="zh-CN" altLang="en-US" smtClean="0"/>
               <a:t>‹#›</a:t>
             </a:fld>
@@ -3003,7 +3003,7 @@
     </p:spTree>
     <p:extLst>
       <p:ext uri="{BB962C8B-B14F-4D97-AF65-F5344CB8AC3E}">
-        <p14:creationId xmlns:p14="http://schemas.microsoft.com/office/powerpoint/2010/main" val="3302519298"/>
+        <p14:creationId xmlns:p14="http://schemas.microsoft.com/office/powerpoint/2010/main" val="2628646661"/>
       </p:ext>
     </p:extLst>
   </p:cSld>
@@ -3323,7 +3323,7 @@
       </p:grpSpPr>
       <p:pic>
         <p:nvPicPr>
-          <p:cNvPr id="1571842" name="Picture 2" descr="1534"/>
+          <p:cNvPr id="1572866" name="Picture 2" descr="1535"/>
           <p:cNvPicPr>
             <a:picLocks noChangeAspect="1" noChangeArrowheads="1"/>
           </p:cNvPicPr>
@@ -3345,7 +3345,7 @@
         <p:spPr bwMode="auto">
           <a:xfrm>
             <a:off x="1524000" y="0"/>
-            <a:ext cx="9144000" cy="6858000"/>
+            <a:ext cx="9144000" cy="6165850"/>
           </a:xfrm>
           <a:prstGeom prst="rect">
             <a:avLst/>
